--- a/presentation.pptx
+++ b/presentation.pptx
@@ -5564,6 +5564,36 @@
           </a:p>
         </p:txBody>
       </p:sp>
+      <p:pic>
+        <p:nvPicPr>
+          <p:cNvPr id="12" name="Picture 11">
+            <a:extLst>
+              <a:ext uri="{FF2B5EF4-FFF2-40B4-BE49-F238E27FC236}">
+                <a16:creationId xmlns:a16="http://schemas.microsoft.com/office/drawing/2014/main" id="{C8ADED82-5DA0-6275-2588-A2C1089A6453}"/>
+              </a:ext>
+            </a:extLst>
+          </p:cNvPr>
+          <p:cNvPicPr>
+            <a:picLocks noChangeAspect="1"/>
+          </p:cNvPicPr>
+          <p:nvPr/>
+        </p:nvPicPr>
+        <p:blipFill>
+          <a:blip r:embed="rId4"/>
+          <a:stretch>
+            <a:fillRect/>
+          </a:stretch>
+        </p:blipFill>
+        <p:spPr>
+          <a:xfrm>
+            <a:off x="5431871" y="2904262"/>
+            <a:ext cx="914400" cy="561975"/>
+          </a:xfrm>
+          <a:prstGeom prst="rect">
+            <a:avLst/>
+          </a:prstGeom>
+        </p:spPr>
+      </p:pic>
     </p:spTree>
     <p:extLst>
       <p:ext uri="{BB962C8B-B14F-4D97-AF65-F5344CB8AC3E}">

--- a/presentation.pptx
+++ b/presentation.pptx
@@ -114,6 +114,11 @@
       </a:defRPr>
     </a:lvl9pPr>
   </p:defaultTextStyle>
+  <p:extLst>
+    <p:ext uri="{EFAFB233-063F-42B5-8137-9DF3F51BA10A}">
+      <p15:sldGuideLst xmlns:p15="http://schemas.microsoft.com/office/powerpoint/2012/main"/>
+    </p:ext>
+  </p:extLst>
 </p:presentation>
 </file>
 
@@ -266,7 +271,7 @@
           <a:p>
             <a:fld id="{F316C8B7-5607-4917-B916-9420F70EFF62}" type="datetimeFigureOut">
               <a:rPr lang="en-CA" smtClean="0"/>
-              <a:t>2023-11-25</a:t>
+              <a:t>2023-11-29</a:t>
             </a:fld>
             <a:endParaRPr lang="en-CA"/>
           </a:p>
@@ -466,7 +471,7 @@
           <a:p>
             <a:fld id="{F316C8B7-5607-4917-B916-9420F70EFF62}" type="datetimeFigureOut">
               <a:rPr lang="en-CA" smtClean="0"/>
-              <a:t>2023-11-25</a:t>
+              <a:t>2023-11-29</a:t>
             </a:fld>
             <a:endParaRPr lang="en-CA"/>
           </a:p>
@@ -676,7 +681,7 @@
           <a:p>
             <a:fld id="{F316C8B7-5607-4917-B916-9420F70EFF62}" type="datetimeFigureOut">
               <a:rPr lang="en-CA" smtClean="0"/>
-              <a:t>2023-11-25</a:t>
+              <a:t>2023-11-29</a:t>
             </a:fld>
             <a:endParaRPr lang="en-CA"/>
           </a:p>
@@ -876,7 +881,7 @@
           <a:p>
             <a:fld id="{F316C8B7-5607-4917-B916-9420F70EFF62}" type="datetimeFigureOut">
               <a:rPr lang="en-CA" smtClean="0"/>
-              <a:t>2023-11-25</a:t>
+              <a:t>2023-11-29</a:t>
             </a:fld>
             <a:endParaRPr lang="en-CA"/>
           </a:p>
@@ -1152,7 +1157,7 @@
           <a:p>
             <a:fld id="{F316C8B7-5607-4917-B916-9420F70EFF62}" type="datetimeFigureOut">
               <a:rPr lang="en-CA" smtClean="0"/>
-              <a:t>2023-11-25</a:t>
+              <a:t>2023-11-29</a:t>
             </a:fld>
             <a:endParaRPr lang="en-CA"/>
           </a:p>
@@ -1420,7 +1425,7 @@
           <a:p>
             <a:fld id="{F316C8B7-5607-4917-B916-9420F70EFF62}" type="datetimeFigureOut">
               <a:rPr lang="en-CA" smtClean="0"/>
-              <a:t>2023-11-25</a:t>
+              <a:t>2023-11-29</a:t>
             </a:fld>
             <a:endParaRPr lang="en-CA"/>
           </a:p>
@@ -1835,7 +1840,7 @@
           <a:p>
             <a:fld id="{F316C8B7-5607-4917-B916-9420F70EFF62}" type="datetimeFigureOut">
               <a:rPr lang="en-CA" smtClean="0"/>
-              <a:t>2023-11-25</a:t>
+              <a:t>2023-11-29</a:t>
             </a:fld>
             <a:endParaRPr lang="en-CA"/>
           </a:p>
@@ -1977,7 +1982,7 @@
           <a:p>
             <a:fld id="{F316C8B7-5607-4917-B916-9420F70EFF62}" type="datetimeFigureOut">
               <a:rPr lang="en-CA" smtClean="0"/>
-              <a:t>2023-11-25</a:t>
+              <a:t>2023-11-29</a:t>
             </a:fld>
             <a:endParaRPr lang="en-CA"/>
           </a:p>
@@ -2090,7 +2095,7 @@
           <a:p>
             <a:fld id="{F316C8B7-5607-4917-B916-9420F70EFF62}" type="datetimeFigureOut">
               <a:rPr lang="en-CA" smtClean="0"/>
-              <a:t>2023-11-25</a:t>
+              <a:t>2023-11-29</a:t>
             </a:fld>
             <a:endParaRPr lang="en-CA"/>
           </a:p>
@@ -2403,7 +2408,7 @@
           <a:p>
             <a:fld id="{F316C8B7-5607-4917-B916-9420F70EFF62}" type="datetimeFigureOut">
               <a:rPr lang="en-CA" smtClean="0"/>
-              <a:t>2023-11-25</a:t>
+              <a:t>2023-11-29</a:t>
             </a:fld>
             <a:endParaRPr lang="en-CA"/>
           </a:p>
@@ -2692,7 +2697,7 @@
           <a:p>
             <a:fld id="{F316C8B7-5607-4917-B916-9420F70EFF62}" type="datetimeFigureOut">
               <a:rPr lang="en-CA" smtClean="0"/>
-              <a:t>2023-11-25</a:t>
+              <a:t>2023-11-29</a:t>
             </a:fld>
             <a:endParaRPr lang="en-CA"/>
           </a:p>
@@ -2935,7 +2940,7 @@
           <a:p>
             <a:fld id="{F316C8B7-5607-4917-B916-9420F70EFF62}" type="datetimeFigureOut">
               <a:rPr lang="en-CA" smtClean="0"/>
-              <a:t>2023-11-25</a:t>
+              <a:t>2023-11-29</a:t>
             </a:fld>
             <a:endParaRPr lang="en-CA"/>
           </a:p>
@@ -3550,6 +3555,41 @@
           </a:fontRef>
         </p:style>
       </p:cxnSp>
+      <p:sp>
+        <p:nvSpPr>
+          <p:cNvPr id="2" name="TextBox 1">
+            <a:extLst>
+              <a:ext uri="{FF2B5EF4-FFF2-40B4-BE49-F238E27FC236}">
+                <a16:creationId xmlns:a16="http://schemas.microsoft.com/office/drawing/2014/main" id="{C05B07CA-972B-B7D1-F021-199D4AD0B1C2}"/>
+              </a:ext>
+            </a:extLst>
+          </p:cNvPr>
+          <p:cNvSpPr txBox="1"/>
+          <p:nvPr/>
+        </p:nvSpPr>
+        <p:spPr>
+          <a:xfrm>
+            <a:off x="3363985" y="277503"/>
+            <a:ext cx="2847031" cy="369332"/>
+          </a:xfrm>
+          <a:prstGeom prst="rect">
+            <a:avLst/>
+          </a:prstGeom>
+          <a:noFill/>
+        </p:spPr>
+        <p:txBody>
+          <a:bodyPr wrap="square" rtlCol="0">
+            <a:spAutoFit/>
+          </a:bodyPr>
+          <a:lstStyle/>
+          <a:p>
+            <a:r>
+              <a:rPr lang="en-CA" dirty="0"/>
+              <a:t>Daniel Charron, s#6785712</a:t>
+            </a:r>
+          </a:p>
+        </p:txBody>
+      </p:sp>
     </p:spTree>
     <p:extLst>
       <p:ext uri="{BB962C8B-B14F-4D97-AF65-F5344CB8AC3E}">
